--- a/机器学习作业/命名实体识别/基于HMM的命名实体识别.pptx
+++ b/机器学习作业/命名实体识别/基于HMM的命名实体识别.pptx
@@ -10,8 +10,8 @@
   <p:sldIdLst>
     <p:sldId id="256" r:id="rId2"/>
     <p:sldId id="260" r:id="rId3"/>
-    <p:sldId id="257" r:id="rId4"/>
-    <p:sldId id="258" r:id="rId5"/>
+    <p:sldId id="258" r:id="rId4"/>
+    <p:sldId id="257" r:id="rId5"/>
     <p:sldId id="259" r:id="rId6"/>
     <p:sldId id="261" r:id="rId7"/>
   </p:sldIdLst>
@@ -112,6 +112,11 @@
       </a:defRPr>
     </a:lvl9pPr>
   </p:defaultTextStyle>
+  <p:extLst>
+    <p:ext uri="{EFAFB233-063F-42B5-8137-9DF3F51BA10A}">
+      <p15:sldGuideLst xmlns:p15="http://schemas.microsoft.com/office/powerpoint/2012/main"/>
+    </p:ext>
+  </p:extLst>
 </p:presentation>
 </file>
 
@@ -197,7 +202,7 @@
           <a:p>
             <a:fld id="{02DADB00-A765-4383-B86A-2424BF000E14}" type="datetimeFigureOut">
               <a:rPr lang="zh-CN" altLang="en-US" smtClean="0"/>
-              <a:t>2019/6/19</a:t>
+              <a:t>2019/6/20</a:t>
             </a:fld>
             <a:endParaRPr lang="zh-CN" altLang="en-US"/>
           </a:p>
@@ -509,44 +514,13 @@
           <a:bodyPr/>
           <a:lstStyle/>
           <a:p>
-            <a:pPr marL="0" marR="0" indent="0" algn="l" defTabSz="914400" rtl="0" eaLnBrk="1" fontAlgn="auto" latinLnBrk="0" hangingPunct="1">
-              <a:lnSpc>
-                <a:spcPct val="100000"/>
-              </a:lnSpc>
-              <a:spcBef>
-                <a:spcPts val="0"/>
-              </a:spcBef>
-              <a:spcAft>
-                <a:spcPts val="0"/>
-              </a:spcAft>
-              <a:buClrTx/>
-              <a:buSzTx/>
-              <a:buFontTx/>
-              <a:buNone/>
-              <a:tabLst/>
-              <a:defRPr/>
-            </a:pPr>
             <a:r>
               <a:rPr lang="zh-CN" altLang="en-US" dirty="0" smtClean="0"/>
-              <a:t>命名实体识别是识别</a:t>
-            </a:r>
-            <a:r>
-              <a:rPr lang="zh-CN" altLang="en-US" dirty="0" smtClean="0"/>
-              <a:t>识别文本中具有特定意义的实体，主要包括人名、地名、机构名、专有名词等。</a:t>
-            </a:r>
-            <a:endParaRPr lang="en-US" altLang="zh-CN" dirty="0" smtClean="0"/>
-          </a:p>
-          <a:p>
-            <a:endParaRPr lang="en-US" altLang="zh-CN" dirty="0" smtClean="0"/>
-          </a:p>
-          <a:p>
-            <a:r>
-              <a:rPr lang="zh-CN" altLang="en-US" dirty="0" smtClean="0"/>
-              <a:t>比如下面这个句子中</a:t>
+              <a:t>今天我讲的是</a:t>
             </a:r>
             <a:r>
               <a:rPr lang="zh-CN" altLang="en-US" baseline="0" dirty="0" smtClean="0"/>
-              <a:t> 命名实体识别任务就是要正确识别出 姚明、悉尼、第二十七届奥运会 这三个实体的 边界 和 对应的 类别</a:t>
+              <a:t> 基于隐马而可夫模型的命名实体识别</a:t>
             </a:r>
             <a:endParaRPr lang="zh-CN" altLang="en-US" dirty="0"/>
           </a:p>
@@ -569,7 +543,7 @@
           <a:p>
             <a:fld id="{AB9D744E-FC5C-4519-B6ED-564D31E9A065}" type="slidenum">
               <a:rPr lang="zh-CN" altLang="en-US" smtClean="0"/>
-              <a:t>2</a:t>
+              <a:t>1</a:t>
             </a:fld>
             <a:endParaRPr lang="zh-CN" altLang="en-US"/>
           </a:p>
@@ -578,7 +552,7 @@
     </p:spTree>
     <p:extLst>
       <p:ext uri="{BB962C8B-B14F-4D97-AF65-F5344CB8AC3E}">
-        <p14:creationId xmlns:p14="http://schemas.microsoft.com/office/powerpoint/2010/main" val="1913122352"/>
+        <p14:creationId xmlns:p14="http://schemas.microsoft.com/office/powerpoint/2010/main" val="835011400"/>
       </p:ext>
     </p:extLst>
   </p:cSld>
@@ -632,73 +606,65 @@
           <a:bodyPr/>
           <a:lstStyle/>
           <a:p>
+            <a:pPr marL="0" marR="0" indent="0" algn="l" defTabSz="914400" rtl="0" eaLnBrk="1" fontAlgn="auto" latinLnBrk="0" hangingPunct="1">
+              <a:lnSpc>
+                <a:spcPct val="100000"/>
+              </a:lnSpc>
+              <a:spcBef>
+                <a:spcPts val="0"/>
+              </a:spcBef>
+              <a:spcAft>
+                <a:spcPts val="0"/>
+              </a:spcAft>
+              <a:buClrTx/>
+              <a:buSzTx/>
+              <a:buFontTx/>
+              <a:buNone/>
+              <a:tabLst/>
+              <a:defRPr/>
+            </a:pPr>
+            <a:endParaRPr lang="en-US" altLang="zh-CN" dirty="0" smtClean="0"/>
+          </a:p>
+          <a:p>
+            <a:pPr marL="0" marR="0" indent="0" algn="l" defTabSz="914400" rtl="0" eaLnBrk="1" fontAlgn="auto" latinLnBrk="0" hangingPunct="1">
+              <a:lnSpc>
+                <a:spcPct val="100000"/>
+              </a:lnSpc>
+              <a:spcBef>
+                <a:spcPts val="0"/>
+              </a:spcBef>
+              <a:spcAft>
+                <a:spcPts val="0"/>
+              </a:spcAft>
+              <a:buClrTx/>
+              <a:buSzTx/>
+              <a:buFontTx/>
+              <a:buNone/>
+              <a:tabLst/>
+              <a:defRPr/>
+            </a:pPr>
             <a:r>
               <a:rPr lang="zh-CN" altLang="en-US" dirty="0" smtClean="0"/>
-              <a:t>我用的数据集是简历数据集，采用</a:t>
-            </a:r>
-            <a:r>
-              <a:rPr lang="en-US" altLang="zh-CN" dirty="0" smtClean="0"/>
-              <a:t>BIOES</a:t>
+              <a:t>命名</a:t>
             </a:r>
             <a:r>
               <a:rPr lang="zh-CN" altLang="en-US" dirty="0" smtClean="0"/>
-              <a:t>标注方法标注，</a:t>
+              <a:t>实体识别是识别识别文本中具有特定意义的实体，主要包括人名、地名、机构名、专有名词等。</a:t>
             </a:r>
             <a:endParaRPr lang="en-US" altLang="zh-CN" dirty="0" smtClean="0"/>
           </a:p>
           <a:p>
+            <a:endParaRPr lang="en-US" altLang="zh-CN" dirty="0" smtClean="0"/>
+          </a:p>
+          <a:p>
             <a:r>
               <a:rPr lang="zh-CN" altLang="en-US" dirty="0" smtClean="0"/>
-              <a:t>如图所示一行包含一个中文字符和其对应的标记，句子与句子之间用换行隔开</a:t>
-            </a:r>
-            <a:endParaRPr lang="en-US" altLang="zh-CN" dirty="0" smtClean="0"/>
-          </a:p>
-          <a:p>
-            <a:r>
-              <a:rPr lang="zh-CN" altLang="en-US" dirty="0" smtClean="0"/>
-              <a:t>简历数据集分为训练集和测试集</a:t>
-            </a:r>
-            <a:endParaRPr lang="en-US" altLang="zh-CN" dirty="0" smtClean="0"/>
-          </a:p>
-          <a:p>
-            <a:pPr>
-              <a:buFont typeface="Wingdings" panose="05000000000000000000" pitchFamily="2" charset="2"/>
-              <a:buNone/>
-            </a:pPr>
-            <a:r>
-              <a:rPr lang="zh-CN" altLang="en-US" sz="1200" dirty="0" smtClean="0"/>
-              <a:t>训练集包含大约</a:t>
-            </a:r>
-            <a:r>
-              <a:rPr lang="en-US" altLang="zh-CN" sz="1200" dirty="0" smtClean="0"/>
-              <a:t>10</a:t>
-            </a:r>
-            <a:r>
-              <a:rPr lang="zh-CN" altLang="en-US" sz="1200" dirty="0" smtClean="0"/>
-              <a:t>万个中文字符</a:t>
-            </a:r>
-            <a:endParaRPr lang="en-US" altLang="zh-CN" sz="1200" dirty="0" smtClean="0"/>
-          </a:p>
-          <a:p>
-            <a:pPr>
-              <a:buFont typeface="Wingdings" panose="05000000000000000000" pitchFamily="2" charset="2"/>
-              <a:buNone/>
-            </a:pPr>
-            <a:r>
-              <a:rPr lang="zh-CN" altLang="en-US" sz="1200" dirty="0" smtClean="0"/>
-              <a:t>测试集包含大学</a:t>
-            </a:r>
-            <a:r>
-              <a:rPr lang="en-US" altLang="zh-CN" sz="1200" dirty="0" smtClean="0"/>
-              <a:t>1.5</a:t>
-            </a:r>
-            <a:r>
-              <a:rPr lang="zh-CN" altLang="en-US" sz="1200" dirty="0" smtClean="0"/>
-              <a:t>万个中文字符</a:t>
-            </a:r>
-            <a:endParaRPr lang="en-US" altLang="zh-CN" sz="1200" dirty="0" smtClean="0"/>
-          </a:p>
-          <a:p>
+              <a:t>比如下面这个句子中</a:t>
+            </a:r>
+            <a:r>
+              <a:rPr lang="zh-CN" altLang="en-US" baseline="0" dirty="0" smtClean="0"/>
+              <a:t> 命名实体识别任务就是要正确识别出 姚明、悉尼、第二十七届奥运会 这三个实体的 边界 和 对应的 类别</a:t>
+            </a:r>
             <a:endParaRPr lang="zh-CN" altLang="en-US" dirty="0"/>
           </a:p>
         </p:txBody>
@@ -720,7 +686,7 @@
           <a:p>
             <a:fld id="{AB9D744E-FC5C-4519-B6ED-564D31E9A065}" type="slidenum">
               <a:rPr lang="zh-CN" altLang="en-US" smtClean="0"/>
-              <a:t>3</a:t>
+              <a:t>2</a:t>
             </a:fld>
             <a:endParaRPr lang="zh-CN" altLang="en-US"/>
           </a:p>
@@ -729,7 +695,7 @@
     </p:spTree>
     <p:extLst>
       <p:ext uri="{BB962C8B-B14F-4D97-AF65-F5344CB8AC3E}">
-        <p14:creationId xmlns:p14="http://schemas.microsoft.com/office/powerpoint/2010/main" val="2122693721"/>
+        <p14:creationId xmlns:p14="http://schemas.microsoft.com/office/powerpoint/2010/main" val="1913122352"/>
       </p:ext>
     </p:extLst>
   </p:cSld>
@@ -785,25 +751,68 @@
           <a:p>
             <a:r>
               <a:rPr lang="zh-CN" altLang="en-US" dirty="0" smtClean="0"/>
-              <a:t>隐马尔可夫模型是关于时序的概率模型，描述由一个隐藏的马尔可夫链随机生成不可观测</a:t>
+              <a:t>隐马尔可夫</a:t>
+            </a:r>
+            <a:r>
+              <a:rPr lang="zh-CN" altLang="en-US" dirty="0" smtClean="0"/>
+              <a:t>模型广泛用于序列标注，所以可以用来做命名实体识别任务。</a:t>
             </a:r>
             <a:endParaRPr lang="en-US" altLang="zh-CN" dirty="0" smtClean="0"/>
           </a:p>
           <a:p>
+            <a:endParaRPr lang="en-US" altLang="zh-CN" dirty="0" smtClean="0"/>
+          </a:p>
+          <a:p>
             <a:r>
               <a:rPr lang="zh-CN" altLang="en-US" dirty="0" smtClean="0"/>
-              <a:t>的状态随机序列，再由各个状态生成一个观测而产生观测随机序列的过程。</a:t>
+              <a:t>模型是</a:t>
+            </a:r>
+            <a:r>
+              <a:rPr lang="zh-CN" altLang="en-US" dirty="0" smtClean="0"/>
+              <a:t>关于时序的概率模型，描述由一个隐藏的马尔可夫链随机生成不可观测</a:t>
             </a:r>
             <a:endParaRPr lang="en-US" altLang="zh-CN" dirty="0" smtClean="0"/>
           </a:p>
           <a:p>
             <a:r>
               <a:rPr lang="zh-CN" altLang="en-US" dirty="0" smtClean="0"/>
-              <a:t>概率计算算法 是 计算 </a:t>
+              <a:t>的状态随机序列，再</a:t>
+            </a:r>
+            <a:r>
+              <a:rPr lang="zh-CN" altLang="en-US" dirty="0" smtClean="0"/>
+              <a:t>由随机状态序列产生观测序列</a:t>
+            </a:r>
+            <a:r>
+              <a:rPr lang="zh-CN" altLang="en-US" dirty="0" smtClean="0"/>
+              <a:t>的过程</a:t>
+            </a:r>
+            <a:r>
+              <a:rPr lang="zh-CN" altLang="en-US" dirty="0" smtClean="0"/>
+              <a:t>。</a:t>
+            </a:r>
+            <a:endParaRPr lang="en-US" altLang="zh-CN" dirty="0" smtClean="0"/>
+          </a:p>
+          <a:p>
+            <a:endParaRPr lang="en-US" altLang="zh-CN" dirty="0" smtClean="0"/>
+          </a:p>
+          <a:p>
+            <a:r>
+              <a:rPr lang="zh-CN" altLang="en-US" dirty="0" smtClean="0"/>
+              <a:t>模型中包含三部分算法： 概率计算算法、学习算法、解码算法。</a:t>
+            </a:r>
+            <a:endParaRPr lang="en-US" altLang="zh-CN" dirty="0" smtClean="0"/>
+          </a:p>
+          <a:p>
+            <a:endParaRPr lang="en-US" altLang="zh-CN" dirty="0" smtClean="0"/>
+          </a:p>
+          <a:p>
+            <a:r>
+              <a:rPr lang="zh-CN" altLang="en-US" dirty="0" smtClean="0"/>
+              <a:t>概率计算算法 是 </a:t>
             </a:r>
             <a:r>
               <a:rPr lang="zh-CN" altLang="en-US" baseline="0" dirty="0" smtClean="0"/>
-              <a:t> 已知</a:t>
+              <a:t>已知</a:t>
             </a:r>
             <a:r>
               <a:rPr lang="zh-CN" altLang="en-US" dirty="0" smtClean="0"/>
@@ -811,8 +820,15 @@
             </a:r>
             <a:r>
               <a:rPr lang="zh-CN" altLang="en-US" baseline="0" dirty="0" smtClean="0"/>
-              <a:t> 包括前向算法、后向算法</a:t>
-            </a:r>
+              <a:t> 包括前向算法、后向</a:t>
+            </a:r>
+            <a:r>
+              <a:rPr lang="zh-CN" altLang="en-US" baseline="0" dirty="0" smtClean="0"/>
+              <a:t>算法</a:t>
+            </a:r>
+            <a:endParaRPr lang="en-US" altLang="zh-CN" baseline="0" dirty="0" smtClean="0"/>
+          </a:p>
+          <a:p>
             <a:endParaRPr lang="en-US" altLang="zh-CN" dirty="0" smtClean="0"/>
           </a:p>
           <a:p>
@@ -835,9 +851,24 @@
             <a:endParaRPr lang="en-US" altLang="zh-CN" baseline="0" dirty="0" smtClean="0"/>
           </a:p>
           <a:p>
+            <a:endParaRPr lang="en-US" altLang="zh-CN" baseline="0" dirty="0" smtClean="0"/>
+          </a:p>
+          <a:p>
             <a:r>
               <a:rPr lang="zh-CN" altLang="en-US" baseline="0" dirty="0" smtClean="0"/>
-              <a:t>预测算 是 已知模型参数，和观测序列 求 最有可能产生观测序列的隐藏状态序列 包括维特比算法</a:t>
+              <a:t>预测算法 </a:t>
+            </a:r>
+            <a:r>
+              <a:rPr lang="zh-CN" altLang="en-US" baseline="0" dirty="0" smtClean="0"/>
+              <a:t>是 已知模型参数，和观测序列 </a:t>
+            </a:r>
+            <a:r>
+              <a:rPr lang="zh-CN" altLang="en-US" baseline="0" dirty="0" smtClean="0"/>
+              <a:t>求最</a:t>
+            </a:r>
+            <a:r>
+              <a:rPr lang="zh-CN" altLang="en-US" baseline="0" dirty="0" smtClean="0"/>
+              <a:t>有可能产生观测序列的隐藏状态序列 包括维特比算法</a:t>
             </a:r>
             <a:endParaRPr lang="zh-CN" altLang="en-US" dirty="0"/>
           </a:p>
@@ -860,7 +891,7 @@
           <a:p>
             <a:fld id="{AB9D744E-FC5C-4519-B6ED-564D31E9A065}" type="slidenum">
               <a:rPr lang="zh-CN" altLang="en-US" smtClean="0"/>
-              <a:t>4</a:t>
+              <a:t>3</a:t>
             </a:fld>
             <a:endParaRPr lang="zh-CN" altLang="en-US"/>
           </a:p>
@@ -923,63 +954,148 @@
           <a:bodyPr/>
           <a:lstStyle/>
           <a:p>
+            <a:pPr marL="0" marR="0" indent="0" algn="l" defTabSz="914400" rtl="0" eaLnBrk="1" fontAlgn="auto" latinLnBrk="0" hangingPunct="1">
+              <a:lnSpc>
+                <a:spcPct val="100000"/>
+              </a:lnSpc>
+              <a:spcBef>
+                <a:spcPts val="0"/>
+              </a:spcBef>
+              <a:spcAft>
+                <a:spcPts val="0"/>
+              </a:spcAft>
+              <a:buClrTx/>
+              <a:buSzTx/>
+              <a:buFontTx/>
+              <a:buNone/>
+              <a:tabLst/>
+              <a:defRPr/>
+            </a:pPr>
             <a:r>
               <a:rPr lang="zh-CN" altLang="en-US" dirty="0" smtClean="0"/>
-              <a:t>评估命名实体识别的效果的指标有三个</a:t>
-            </a:r>
-            <a:r>
-              <a:rPr lang="zh-CN" altLang="en-US" baseline="0" dirty="0" smtClean="0"/>
-              <a:t> 分别是 准确率、召回率和</a:t>
-            </a:r>
-            <a:r>
-              <a:rPr lang="en-US" altLang="zh-CN" baseline="0" dirty="0" smtClean="0"/>
-              <a:t>F1</a:t>
-            </a:r>
-            <a:r>
-              <a:rPr lang="zh-CN" altLang="en-US" baseline="0" dirty="0" smtClean="0"/>
-              <a:t>值</a:t>
-            </a:r>
-            <a:endParaRPr lang="en-US" altLang="zh-CN" baseline="0" dirty="0" smtClean="0"/>
-          </a:p>
-          <a:p>
-            <a:endParaRPr lang="en-US" altLang="zh-CN" baseline="0" dirty="0" smtClean="0"/>
-          </a:p>
-          <a:p>
+              <a:t>我用的数据集是简历数据集</a:t>
+            </a:r>
             <a:r>
               <a:rPr lang="zh-CN" altLang="en-US" dirty="0" smtClean="0"/>
-              <a:t>准确率是识别出的实体中正确实体所占的比例</a:t>
+              <a:t>，采用</a:t>
+            </a:r>
+            <a:r>
+              <a:rPr lang="en-US" altLang="zh-CN" dirty="0" smtClean="0"/>
+              <a:t>BIOES</a:t>
+            </a:r>
+            <a:r>
+              <a:rPr lang="zh-CN" altLang="en-US" dirty="0" smtClean="0"/>
+              <a:t>标注方法标注</a:t>
+            </a:r>
+            <a:r>
+              <a:rPr lang="zh-CN" altLang="en-US" dirty="0" smtClean="0"/>
+              <a:t>，</a:t>
             </a:r>
             <a:endParaRPr lang="en-US" altLang="zh-CN" dirty="0" smtClean="0"/>
           </a:p>
           <a:p>
+            <a:r>
+              <a:rPr lang="zh-CN" altLang="en-US" dirty="0" smtClean="0"/>
+              <a:t>数据集中每一行</a:t>
+            </a:r>
+            <a:r>
+              <a:rPr lang="zh-CN" altLang="en-US" dirty="0" smtClean="0"/>
+              <a:t>包含一个中文字符和其对应的标记，句子与句子之间用换行</a:t>
+            </a:r>
+            <a:r>
+              <a:rPr lang="zh-CN" altLang="en-US" dirty="0" smtClean="0"/>
+              <a:t>隔开，如图所示是数据集中的两个句子</a:t>
+            </a:r>
             <a:endParaRPr lang="en-US" altLang="zh-CN" dirty="0" smtClean="0"/>
           </a:p>
           <a:p>
+            <a:endParaRPr lang="en-US" altLang="zh-CN" dirty="0" smtClean="0"/>
+          </a:p>
+          <a:p>
             <a:r>
               <a:rPr lang="zh-CN" altLang="en-US" dirty="0" smtClean="0"/>
-              <a:t>召回率是正确识别出的实体占测试集总实体的比例</a:t>
+              <a:t>数据集分为</a:t>
+            </a:r>
+            <a:r>
+              <a:rPr lang="zh-CN" altLang="en-US" dirty="0" smtClean="0"/>
+              <a:t>训练集和测试集</a:t>
             </a:r>
             <a:endParaRPr lang="en-US" altLang="zh-CN" dirty="0" smtClean="0"/>
           </a:p>
           <a:p>
+            <a:pPr>
+              <a:buFont typeface="Wingdings" panose="05000000000000000000" pitchFamily="2" charset="2"/>
+              <a:buNone/>
+            </a:pPr>
+            <a:r>
+              <a:rPr lang="zh-CN" altLang="en-US" sz="1200" dirty="0" smtClean="0"/>
+              <a:t>训练集包含大约</a:t>
+            </a:r>
+            <a:r>
+              <a:rPr lang="en-US" altLang="zh-CN" sz="1200" dirty="0" smtClean="0"/>
+              <a:t>10</a:t>
+            </a:r>
+            <a:r>
+              <a:rPr lang="zh-CN" altLang="en-US" sz="1200" dirty="0" smtClean="0"/>
+              <a:t>万个中文字符</a:t>
+            </a:r>
+            <a:endParaRPr lang="en-US" altLang="zh-CN" sz="1200" dirty="0" smtClean="0"/>
+          </a:p>
+          <a:p>
+            <a:pPr>
+              <a:buFont typeface="Wingdings" panose="05000000000000000000" pitchFamily="2" charset="2"/>
+              <a:buNone/>
+            </a:pPr>
+            <a:r>
+              <a:rPr lang="zh-CN" altLang="en-US" sz="1200" dirty="0" smtClean="0"/>
+              <a:t>测试集包含大学</a:t>
+            </a:r>
+            <a:r>
+              <a:rPr lang="en-US" altLang="zh-CN" sz="1200" dirty="0" smtClean="0"/>
+              <a:t>1.5</a:t>
+            </a:r>
+            <a:r>
+              <a:rPr lang="zh-CN" altLang="en-US" sz="1200" dirty="0" smtClean="0"/>
+              <a:t>万个</a:t>
+            </a:r>
+            <a:r>
+              <a:rPr lang="zh-CN" altLang="en-US" sz="1200" dirty="0" smtClean="0"/>
+              <a:t>中文字符</a:t>
+            </a:r>
+            <a:endParaRPr lang="en-US" altLang="zh-CN" sz="1200" dirty="0" smtClean="0"/>
+          </a:p>
+          <a:p>
+            <a:pPr>
+              <a:buFont typeface="Wingdings" panose="05000000000000000000" pitchFamily="2" charset="2"/>
+              <a:buNone/>
+            </a:pPr>
+            <a:endParaRPr lang="en-US" altLang="zh-CN" sz="1200" dirty="0" smtClean="0"/>
+          </a:p>
+          <a:p>
+            <a:pPr marL="0" marR="0" indent="0" algn="l" defTabSz="914400" rtl="0" eaLnBrk="1" fontAlgn="auto" latinLnBrk="0" hangingPunct="1">
+              <a:lnSpc>
+                <a:spcPct val="100000"/>
+              </a:lnSpc>
+              <a:spcBef>
+                <a:spcPts val="0"/>
+              </a:spcBef>
+              <a:spcAft>
+                <a:spcPts val="0"/>
+              </a:spcAft>
+              <a:buClrTx/>
+              <a:buSzTx/>
+              <a:buFontTx/>
+              <a:buNone/>
+              <a:tabLst/>
+              <a:defRPr/>
+            </a:pPr>
+            <a:r>
+              <a:rPr lang="zh-CN" altLang="en-US" dirty="0" smtClean="0"/>
+              <a:t> 需要识别出名字、国籍、学历、头衔、组织、民族、专业、籍贯这八个类别的命名实体</a:t>
+            </a:r>
             <a:endParaRPr lang="en-US" altLang="zh-CN" dirty="0" smtClean="0"/>
           </a:p>
           <a:p>
-            <a:r>
-              <a:rPr lang="zh-CN" altLang="en-US" dirty="0" smtClean="0"/>
-              <a:t>依据准确率、召回率可以计算出</a:t>
-            </a:r>
-            <a:r>
-              <a:rPr lang="en-US" altLang="zh-CN" dirty="0" smtClean="0"/>
-              <a:t>F1</a:t>
-            </a:r>
-            <a:r>
-              <a:rPr lang="zh-CN" altLang="en-US" dirty="0" smtClean="0"/>
-              <a:t>值</a:t>
-            </a:r>
-            <a:endParaRPr lang="en-US" altLang="zh-CN" dirty="0" smtClean="0"/>
-          </a:p>
-          <a:p>
             <a:endParaRPr lang="zh-CN" altLang="en-US" dirty="0"/>
           </a:p>
         </p:txBody>
@@ -1001,7 +1117,7 @@
           <a:p>
             <a:fld id="{AB9D744E-FC5C-4519-B6ED-564D31E9A065}" type="slidenum">
               <a:rPr lang="zh-CN" altLang="en-US" smtClean="0"/>
-              <a:t>5</a:t>
+              <a:t>4</a:t>
             </a:fld>
             <a:endParaRPr lang="zh-CN" altLang="en-US"/>
           </a:p>
@@ -1010,7 +1126,7 @@
     </p:spTree>
     <p:extLst>
       <p:ext uri="{BB962C8B-B14F-4D97-AF65-F5344CB8AC3E}">
-        <p14:creationId xmlns:p14="http://schemas.microsoft.com/office/powerpoint/2010/main" val="783456116"/>
+        <p14:creationId xmlns:p14="http://schemas.microsoft.com/office/powerpoint/2010/main" val="2122693721"/>
       </p:ext>
     </p:extLst>
   </p:cSld>
@@ -1064,6 +1180,212 @@
           <a:bodyPr/>
           <a:lstStyle/>
           <a:p>
+            <a:r>
+              <a:rPr lang="zh-CN" altLang="en-US" dirty="0" smtClean="0"/>
+              <a:t>评估命名实体</a:t>
+            </a:r>
+            <a:r>
+              <a:rPr lang="zh-CN" altLang="en-US" dirty="0" smtClean="0"/>
+              <a:t>识别效果</a:t>
+            </a:r>
+            <a:r>
+              <a:rPr lang="zh-CN" altLang="en-US" dirty="0" smtClean="0"/>
+              <a:t>的指标有三个</a:t>
+            </a:r>
+            <a:r>
+              <a:rPr lang="zh-CN" altLang="en-US" baseline="0" dirty="0" smtClean="0"/>
+              <a:t> 分别是 准确率、召回率和</a:t>
+            </a:r>
+            <a:r>
+              <a:rPr lang="en-US" altLang="zh-CN" baseline="0" dirty="0" smtClean="0"/>
+              <a:t>F1</a:t>
+            </a:r>
+            <a:r>
+              <a:rPr lang="zh-CN" altLang="en-US" baseline="0" dirty="0" smtClean="0"/>
+              <a:t>值</a:t>
+            </a:r>
+            <a:endParaRPr lang="en-US" altLang="zh-CN" baseline="0" dirty="0" smtClean="0"/>
+          </a:p>
+          <a:p>
+            <a:endParaRPr lang="en-US" altLang="zh-CN" baseline="0" dirty="0" smtClean="0"/>
+          </a:p>
+          <a:p>
+            <a:r>
+              <a:rPr lang="zh-CN" altLang="en-US" dirty="0" smtClean="0"/>
+              <a:t>准确率是识别出的实体中正确实体所占的比例</a:t>
+            </a:r>
+            <a:endParaRPr lang="en-US" altLang="zh-CN" dirty="0" smtClean="0"/>
+          </a:p>
+          <a:p>
+            <a:endParaRPr lang="en-US" altLang="zh-CN" dirty="0" smtClean="0"/>
+          </a:p>
+          <a:p>
+            <a:r>
+              <a:rPr lang="zh-CN" altLang="en-US" dirty="0" smtClean="0"/>
+              <a:t>召回率是正确识别出的实体占测试集总实体的比例</a:t>
+            </a:r>
+            <a:endParaRPr lang="en-US" altLang="zh-CN" dirty="0" smtClean="0"/>
+          </a:p>
+          <a:p>
+            <a:endParaRPr lang="en-US" altLang="zh-CN" dirty="0" smtClean="0"/>
+          </a:p>
+          <a:p>
+            <a:r>
+              <a:rPr lang="zh-CN" altLang="en-US" dirty="0" smtClean="0"/>
+              <a:t>依据准确率、召回率可以计算出</a:t>
+            </a:r>
+            <a:r>
+              <a:rPr lang="en-US" altLang="zh-CN" dirty="0" smtClean="0"/>
+              <a:t>F1</a:t>
+            </a:r>
+            <a:r>
+              <a:rPr lang="zh-CN" altLang="en-US" dirty="0" smtClean="0"/>
+              <a:t>值</a:t>
+            </a:r>
+            <a:endParaRPr lang="en-US" altLang="zh-CN" dirty="0" smtClean="0"/>
+          </a:p>
+          <a:p>
+            <a:endParaRPr lang="zh-CN" altLang="en-US" dirty="0"/>
+          </a:p>
+        </p:txBody>
+      </p:sp>
+      <p:sp>
+        <p:nvSpPr>
+          <p:cNvPr id="4" name="灯片编号占位符 3"/>
+          <p:cNvSpPr>
+            <a:spLocks noGrp="1"/>
+          </p:cNvSpPr>
+          <p:nvPr>
+            <p:ph type="sldNum" sz="quarter" idx="10"/>
+          </p:nvPr>
+        </p:nvSpPr>
+        <p:spPr/>
+        <p:txBody>
+          <a:bodyPr/>
+          <a:lstStyle/>
+          <a:p>
+            <a:fld id="{AB9D744E-FC5C-4519-B6ED-564D31E9A065}" type="slidenum">
+              <a:rPr lang="zh-CN" altLang="en-US" smtClean="0"/>
+              <a:t>5</a:t>
+            </a:fld>
+            <a:endParaRPr lang="zh-CN" altLang="en-US"/>
+          </a:p>
+        </p:txBody>
+      </p:sp>
+    </p:spTree>
+    <p:extLst>
+      <p:ext uri="{BB962C8B-B14F-4D97-AF65-F5344CB8AC3E}">
+        <p14:creationId xmlns:p14="http://schemas.microsoft.com/office/powerpoint/2010/main" val="783456116"/>
+      </p:ext>
+    </p:extLst>
+  </p:cSld>
+  <p:clrMapOvr>
+    <a:masterClrMapping/>
+  </p:clrMapOvr>
+</p:notes>
+</file>
+
+<file path=ppt/notesSlides/notesSlide6.xml><?xml version="1.0" encoding="utf-8"?>
+<p:notes xmlns:a="http://schemas.openxmlformats.org/drawingml/2006/main" xmlns:r="http://schemas.openxmlformats.org/officeDocument/2006/relationships" xmlns:p="http://schemas.openxmlformats.org/presentationml/2006/main">
+  <p:cSld>
+    <p:spTree>
+      <p:nvGrpSpPr>
+        <p:cNvPr id="1" name=""/>
+        <p:cNvGrpSpPr/>
+        <p:nvPr/>
+      </p:nvGrpSpPr>
+      <p:grpSpPr>
+        <a:xfrm>
+          <a:off x="0" y="0"/>
+          <a:ext cx="0" cy="0"/>
+          <a:chOff x="0" y="0"/>
+          <a:chExt cx="0" cy="0"/>
+        </a:xfrm>
+      </p:grpSpPr>
+      <p:sp>
+        <p:nvSpPr>
+          <p:cNvPr id="2" name="幻灯片图像占位符 1"/>
+          <p:cNvSpPr>
+            <a:spLocks noGrp="1" noRot="1" noChangeAspect="1"/>
+          </p:cNvSpPr>
+          <p:nvPr>
+            <p:ph type="sldImg"/>
+          </p:nvPr>
+        </p:nvSpPr>
+        <p:spPr/>
+      </p:sp>
+      <p:sp>
+        <p:nvSpPr>
+          <p:cNvPr id="3" name="备注占位符 2"/>
+          <p:cNvSpPr>
+            <a:spLocks noGrp="1"/>
+          </p:cNvSpPr>
+          <p:nvPr>
+            <p:ph type="body" idx="1"/>
+          </p:nvPr>
+        </p:nvSpPr>
+        <p:spPr/>
+        <p:txBody>
+          <a:bodyPr/>
+          <a:lstStyle/>
+          <a:p>
+            <a:r>
+              <a:rPr lang="zh-CN" altLang="en-US" dirty="0" smtClean="0"/>
+              <a:t>测试集中共有</a:t>
+            </a:r>
+            <a:r>
+              <a:rPr lang="en-US" altLang="zh-CN" dirty="0" smtClean="0"/>
+              <a:t>1630</a:t>
+            </a:r>
+            <a:r>
+              <a:rPr lang="zh-CN" altLang="en-US" dirty="0" smtClean="0"/>
+              <a:t>个实体，各个实体类别所包含的实体数量</a:t>
+            </a:r>
+            <a:endParaRPr lang="en-US" altLang="zh-CN" dirty="0" smtClean="0"/>
+          </a:p>
+          <a:p>
+            <a:r>
+              <a:rPr lang="zh-CN" altLang="en-US" dirty="0" smtClean="0"/>
+              <a:t>及它们的准确率、召回率、</a:t>
+            </a:r>
+            <a:r>
+              <a:rPr lang="en-US" altLang="zh-CN" dirty="0" smtClean="0"/>
+              <a:t>F1</a:t>
+            </a:r>
+            <a:r>
+              <a:rPr lang="zh-CN" altLang="en-US" dirty="0" smtClean="0"/>
+              <a:t>值，如图</a:t>
+            </a:r>
+            <a:endParaRPr lang="en-US" altLang="zh-CN" dirty="0" smtClean="0"/>
+          </a:p>
+          <a:p>
+            <a:endParaRPr lang="en-US" altLang="zh-CN" dirty="0" smtClean="0"/>
+          </a:p>
+          <a:p>
+            <a:r>
+              <a:rPr lang="zh-CN" altLang="en-US" baseline="0" dirty="0" smtClean="0"/>
+              <a:t>忽略类别差异，得到平均的准确率为</a:t>
+            </a:r>
+            <a:r>
+              <a:rPr lang="en-US" altLang="zh-CN" baseline="0" dirty="0" smtClean="0"/>
+              <a:t>0.82</a:t>
+            </a:r>
+            <a:r>
+              <a:rPr lang="zh-CN" altLang="en-US" baseline="0" dirty="0" smtClean="0"/>
+              <a:t>， 召回率为</a:t>
+            </a:r>
+            <a:r>
+              <a:rPr lang="en-US" altLang="zh-CN" baseline="0" dirty="0" smtClean="0"/>
+              <a:t>0.86   F1</a:t>
+            </a:r>
+            <a:r>
+              <a:rPr lang="zh-CN" altLang="en-US" baseline="0" dirty="0" smtClean="0"/>
+              <a:t>值为</a:t>
+            </a:r>
+            <a:r>
+              <a:rPr lang="en-US" altLang="zh-CN" baseline="0" dirty="0" smtClean="0"/>
+              <a:t>0.84</a:t>
+            </a:r>
             <a:endParaRPr lang="zh-CN" altLang="en-US" dirty="0"/>
           </a:p>
         </p:txBody>
@@ -1235,7 +1557,7 @@
           <a:p>
             <a:fld id="{2C8F7DD8-07F5-483B-AA79-500F59ADF373}" type="datetimeFigureOut">
               <a:rPr lang="zh-CN" altLang="en-US" smtClean="0"/>
-              <a:t>2019/6/18</a:t>
+              <a:t>2019/6/20</a:t>
             </a:fld>
             <a:endParaRPr lang="zh-CN" altLang="en-US"/>
           </a:p>
@@ -1405,7 +1727,7 @@
           <a:p>
             <a:fld id="{2C8F7DD8-07F5-483B-AA79-500F59ADF373}" type="datetimeFigureOut">
               <a:rPr lang="zh-CN" altLang="en-US" smtClean="0"/>
-              <a:t>2019/6/18</a:t>
+              <a:t>2019/6/20</a:t>
             </a:fld>
             <a:endParaRPr lang="zh-CN" altLang="en-US"/>
           </a:p>
@@ -1585,7 +1907,7 @@
           <a:p>
             <a:fld id="{2C8F7DD8-07F5-483B-AA79-500F59ADF373}" type="datetimeFigureOut">
               <a:rPr lang="zh-CN" altLang="en-US" smtClean="0"/>
-              <a:t>2019/6/18</a:t>
+              <a:t>2019/6/20</a:t>
             </a:fld>
             <a:endParaRPr lang="zh-CN" altLang="en-US"/>
           </a:p>
@@ -1755,7 +2077,7 @@
           <a:p>
             <a:fld id="{2C8F7DD8-07F5-483B-AA79-500F59ADF373}" type="datetimeFigureOut">
               <a:rPr lang="zh-CN" altLang="en-US" smtClean="0"/>
-              <a:t>2019/6/18</a:t>
+              <a:t>2019/6/20</a:t>
             </a:fld>
             <a:endParaRPr lang="zh-CN" altLang="en-US"/>
           </a:p>
@@ -2001,7 +2323,7 @@
           <a:p>
             <a:fld id="{2C8F7DD8-07F5-483B-AA79-500F59ADF373}" type="datetimeFigureOut">
               <a:rPr lang="zh-CN" altLang="en-US" smtClean="0"/>
-              <a:t>2019/6/18</a:t>
+              <a:t>2019/6/20</a:t>
             </a:fld>
             <a:endParaRPr lang="zh-CN" altLang="en-US"/>
           </a:p>
@@ -2233,7 +2555,7 @@
           <a:p>
             <a:fld id="{2C8F7DD8-07F5-483B-AA79-500F59ADF373}" type="datetimeFigureOut">
               <a:rPr lang="zh-CN" altLang="en-US" smtClean="0"/>
-              <a:t>2019/6/18</a:t>
+              <a:t>2019/6/20</a:t>
             </a:fld>
             <a:endParaRPr lang="zh-CN" altLang="en-US"/>
           </a:p>
@@ -2600,7 +2922,7 @@
           <a:p>
             <a:fld id="{2C8F7DD8-07F5-483B-AA79-500F59ADF373}" type="datetimeFigureOut">
               <a:rPr lang="zh-CN" altLang="en-US" smtClean="0"/>
-              <a:t>2019/6/18</a:t>
+              <a:t>2019/6/20</a:t>
             </a:fld>
             <a:endParaRPr lang="zh-CN" altLang="en-US"/>
           </a:p>
@@ -2718,7 +3040,7 @@
           <a:p>
             <a:fld id="{2C8F7DD8-07F5-483B-AA79-500F59ADF373}" type="datetimeFigureOut">
               <a:rPr lang="zh-CN" altLang="en-US" smtClean="0"/>
-              <a:t>2019/6/18</a:t>
+              <a:t>2019/6/20</a:t>
             </a:fld>
             <a:endParaRPr lang="zh-CN" altLang="en-US"/>
           </a:p>
@@ -2813,7 +3135,7 @@
           <a:p>
             <a:fld id="{2C8F7DD8-07F5-483B-AA79-500F59ADF373}" type="datetimeFigureOut">
               <a:rPr lang="zh-CN" altLang="en-US" smtClean="0"/>
-              <a:t>2019/6/18</a:t>
+              <a:t>2019/6/20</a:t>
             </a:fld>
             <a:endParaRPr lang="zh-CN" altLang="en-US"/>
           </a:p>
@@ -3090,7 +3412,7 @@
           <a:p>
             <a:fld id="{2C8F7DD8-07F5-483B-AA79-500F59ADF373}" type="datetimeFigureOut">
               <a:rPr lang="zh-CN" altLang="en-US" smtClean="0"/>
-              <a:t>2019/6/18</a:t>
+              <a:t>2019/6/20</a:t>
             </a:fld>
             <a:endParaRPr lang="zh-CN" altLang="en-US"/>
           </a:p>
@@ -3343,7 +3665,7 @@
           <a:p>
             <a:fld id="{2C8F7DD8-07F5-483B-AA79-500F59ADF373}" type="datetimeFigureOut">
               <a:rPr lang="zh-CN" altLang="en-US" smtClean="0"/>
-              <a:t>2019/6/18</a:t>
+              <a:t>2019/6/20</a:t>
             </a:fld>
             <a:endParaRPr lang="zh-CN" altLang="en-US"/>
           </a:p>
@@ -3556,7 +3878,7 @@
           <a:p>
             <a:fld id="{2C8F7DD8-07F5-483B-AA79-500F59ADF373}" type="datetimeFigureOut">
               <a:rPr lang="zh-CN" altLang="en-US" smtClean="0"/>
-              <a:t>2019/6/18</a:t>
+              <a:t>2019/6/20</a:t>
             </a:fld>
             <a:endParaRPr lang="zh-CN" altLang="en-US"/>
           </a:p>
@@ -3971,7 +4293,12 @@
             <p:ph type="ctrTitle"/>
           </p:nvPr>
         </p:nvSpPr>
-        <p:spPr/>
+        <p:spPr>
+          <a:xfrm>
+            <a:off x="1524000" y="914399"/>
+            <a:ext cx="9144000" cy="1264603"/>
+          </a:xfrm>
+        </p:spPr>
         <p:txBody>
           <a:bodyPr/>
           <a:lstStyle/>
@@ -4002,23 +4329,36 @@
             <p:ph type="subTitle" idx="1"/>
           </p:nvPr>
         </p:nvSpPr>
-        <p:spPr/>
+        <p:spPr>
+          <a:xfrm>
+            <a:off x="1524000" y="3602038"/>
+            <a:ext cx="9144000" cy="1183322"/>
+          </a:xfrm>
+        </p:spPr>
         <p:txBody>
           <a:bodyPr/>
           <a:lstStyle/>
           <a:p>
             <a:r>
               <a:rPr lang="zh-CN" altLang="en-US" dirty="0" smtClean="0"/>
-              <a:t>周宇</a:t>
-            </a:r>
-            <a:endParaRPr lang="en-US" altLang="zh-CN" dirty="0" smtClean="0"/>
-          </a:p>
-          <a:p>
+              <a:t>周</a:t>
+            </a:r>
+            <a:r>
+              <a:rPr lang="zh-CN" altLang="en-US" dirty="0" smtClean="0"/>
+              <a:t>宇 </a:t>
+            </a:r>
             <a:r>
               <a:rPr lang="en-US" altLang="zh-CN" dirty="0" smtClean="0"/>
               <a:t>181619</a:t>
             </a:r>
-            <a:endParaRPr lang="zh-CN" altLang="en-US" dirty="0"/>
+            <a:endParaRPr lang="en-US" altLang="zh-CN" dirty="0" smtClean="0"/>
+          </a:p>
+          <a:p>
+            <a:r>
+              <a:rPr lang="en-US" altLang="zh-CN" sz="2000" dirty="0" smtClean="0"/>
+              <a:t>2019.6.20</a:t>
+            </a:r>
+            <a:endParaRPr lang="zh-CN" altLang="en-US" sz="2000" dirty="0"/>
           </a:p>
         </p:txBody>
       </p:sp>
@@ -4032,6 +4372,13 @@
   <p:clrMapOvr>
     <a:masterClrMapping/>
   </p:clrMapOvr>
+  <p:timing>
+    <p:tnLst>
+      <p:par>
+        <p:cTn id="1" dur="indefinite" restart="never" nodeType="tmRoot"/>
+      </p:par>
+    </p:tnLst>
+  </p:timing>
 </p:sld>
 </file>
 
@@ -4389,203 +4736,17 @@
   <p:clrMapOvr>
     <a:masterClrMapping/>
   </p:clrMapOvr>
+  <p:timing>
+    <p:tnLst>
+      <p:par>
+        <p:cTn id="1" dur="indefinite" restart="never" nodeType="tmRoot"/>
+      </p:par>
+    </p:tnLst>
+  </p:timing>
 </p:sld>
 </file>
 
 <file path=ppt/slides/slide3.xml><?xml version="1.0" encoding="utf-8"?>
-<p:sld xmlns:a="http://schemas.openxmlformats.org/drawingml/2006/main" xmlns:r="http://schemas.openxmlformats.org/officeDocument/2006/relationships" xmlns:p="http://schemas.openxmlformats.org/presentationml/2006/main">
-  <p:cSld>
-    <p:spTree>
-      <p:nvGrpSpPr>
-        <p:cNvPr id="1" name=""/>
-        <p:cNvGrpSpPr/>
-        <p:nvPr/>
-      </p:nvGrpSpPr>
-      <p:grpSpPr>
-        <a:xfrm>
-          <a:off x="0" y="0"/>
-          <a:ext cx="0" cy="0"/>
-          <a:chOff x="0" y="0"/>
-          <a:chExt cx="0" cy="0"/>
-        </a:xfrm>
-      </p:grpSpPr>
-      <p:sp>
-        <p:nvSpPr>
-          <p:cNvPr id="2" name="标题 1"/>
-          <p:cNvSpPr>
-            <a:spLocks noGrp="1"/>
-          </p:cNvSpPr>
-          <p:nvPr>
-            <p:ph type="title"/>
-          </p:nvPr>
-        </p:nvSpPr>
-        <p:spPr/>
-        <p:txBody>
-          <a:bodyPr/>
-          <a:lstStyle/>
-          <a:p>
-            <a:r>
-              <a:rPr lang="zh-CN" altLang="en-US" dirty="0" smtClean="0"/>
-              <a:t>简历数据集</a:t>
-            </a:r>
-            <a:endParaRPr lang="zh-CN" altLang="en-US" dirty="0"/>
-          </a:p>
-        </p:txBody>
-      </p:sp>
-      <p:sp>
-        <p:nvSpPr>
-          <p:cNvPr id="3" name="内容占位符 2"/>
-          <p:cNvSpPr>
-            <a:spLocks noGrp="1"/>
-          </p:cNvSpPr>
-          <p:nvPr>
-            <p:ph idx="1"/>
-          </p:nvPr>
-        </p:nvSpPr>
-        <p:spPr>
-          <a:xfrm>
-            <a:off x="730045" y="2395896"/>
-            <a:ext cx="10515600" cy="2638220"/>
-          </a:xfrm>
-        </p:spPr>
-        <p:txBody>
-          <a:bodyPr/>
-          <a:lstStyle/>
-          <a:p>
-            <a:pPr>
-              <a:buFont typeface="Wingdings" panose="05000000000000000000" pitchFamily="2" charset="2"/>
-              <a:buChar char="ü"/>
-            </a:pPr>
-            <a:r>
-              <a:rPr lang="zh-CN" altLang="en-US" sz="2400" dirty="0" smtClean="0"/>
-              <a:t>采用</a:t>
-            </a:r>
-            <a:r>
-              <a:rPr lang="en-US" altLang="zh-CN" sz="2400" dirty="0" smtClean="0"/>
-              <a:t>BIOES</a:t>
-            </a:r>
-            <a:r>
-              <a:rPr lang="zh-CN" altLang="en-US" sz="2400" dirty="0" smtClean="0"/>
-              <a:t>标注方法标注</a:t>
-            </a:r>
-            <a:endParaRPr lang="en-US" altLang="zh-CN" sz="2400" dirty="0" smtClean="0"/>
-          </a:p>
-          <a:p>
-            <a:pPr>
-              <a:buFont typeface="Wingdings" panose="05000000000000000000" pitchFamily="2" charset="2"/>
-              <a:buChar char="ü"/>
-            </a:pPr>
-            <a:r>
-              <a:rPr lang="zh-CN" altLang="en-US" sz="2400" dirty="0" smtClean="0"/>
-              <a:t>分为训练集和测试集</a:t>
-            </a:r>
-            <a:endParaRPr lang="en-US" altLang="zh-CN" sz="2400" dirty="0" smtClean="0"/>
-          </a:p>
-          <a:p>
-            <a:pPr>
-              <a:buFont typeface="Wingdings" panose="05000000000000000000" pitchFamily="2" charset="2"/>
-              <a:buChar char="ü"/>
-            </a:pPr>
-            <a:r>
-              <a:rPr lang="zh-CN" altLang="en-US" sz="2400" dirty="0" smtClean="0"/>
-              <a:t>训练集包含大约</a:t>
-            </a:r>
-            <a:r>
-              <a:rPr lang="en-US" altLang="zh-CN" sz="2400" dirty="0" smtClean="0"/>
-              <a:t>10</a:t>
-            </a:r>
-            <a:r>
-              <a:rPr lang="zh-CN" altLang="en-US" sz="2400" dirty="0" smtClean="0"/>
-              <a:t>万个中文字符</a:t>
-            </a:r>
-            <a:endParaRPr lang="en-US" altLang="zh-CN" sz="2400" dirty="0" smtClean="0"/>
-          </a:p>
-          <a:p>
-            <a:pPr>
-              <a:buFont typeface="Wingdings" panose="05000000000000000000" pitchFamily="2" charset="2"/>
-              <a:buChar char="ü"/>
-            </a:pPr>
-            <a:r>
-              <a:rPr lang="zh-CN" altLang="en-US" sz="2400" dirty="0" smtClean="0"/>
-              <a:t>测试集包含大学</a:t>
-            </a:r>
-            <a:r>
-              <a:rPr lang="en-US" altLang="zh-CN" sz="2400" dirty="0" smtClean="0"/>
-              <a:t>1.5</a:t>
-            </a:r>
-            <a:r>
-              <a:rPr lang="zh-CN" altLang="en-US" sz="2400" dirty="0" smtClean="0"/>
-              <a:t>万个中文字符</a:t>
-            </a:r>
-            <a:endParaRPr lang="en-US" altLang="zh-CN" sz="2400" dirty="0" smtClean="0"/>
-          </a:p>
-          <a:p>
-            <a:pPr marL="0" indent="0">
-              <a:buNone/>
-            </a:pPr>
-            <a:endParaRPr lang="en-US" altLang="zh-CN" dirty="0" smtClean="0"/>
-          </a:p>
-          <a:p>
-            <a:pPr marL="0" indent="0">
-              <a:buNone/>
-            </a:pPr>
-            <a:endParaRPr lang="en-US" altLang="zh-CN" dirty="0" smtClean="0"/>
-          </a:p>
-          <a:p>
-            <a:endParaRPr lang="en-US" altLang="zh-CN" dirty="0" smtClean="0"/>
-          </a:p>
-          <a:p>
-            <a:pPr marL="0" indent="0">
-              <a:buNone/>
-            </a:pPr>
-            <a:endParaRPr lang="zh-CN" altLang="en-US" dirty="0"/>
-          </a:p>
-        </p:txBody>
-      </p:sp>
-      <p:pic>
-        <p:nvPicPr>
-          <p:cNvPr id="4" name="图片 3"/>
-          <p:cNvPicPr>
-            <a:picLocks noChangeAspect="1"/>
-          </p:cNvPicPr>
-          <p:nvPr/>
-        </p:nvPicPr>
-        <p:blipFill>
-          <a:blip r:embed="rId3">
-            <a:extLst>
-              <a:ext uri="{28A0092B-C50C-407E-A947-70E740481C1C}">
-                <a14:useLocalDpi xmlns:a14="http://schemas.microsoft.com/office/drawing/2010/main" val="0"/>
-              </a:ext>
-            </a:extLst>
-          </a:blip>
-          <a:stretch>
-            <a:fillRect/>
-          </a:stretch>
-        </p:blipFill>
-        <p:spPr>
-          <a:xfrm>
-            <a:off x="8072284" y="684848"/>
-            <a:ext cx="1179870" cy="5116184"/>
-          </a:xfrm>
-          <a:prstGeom prst="rect">
-            <a:avLst/>
-          </a:prstGeom>
-        </p:spPr>
-      </p:pic>
-    </p:spTree>
-    <p:extLst>
-      <p:ext uri="{BB962C8B-B14F-4D97-AF65-F5344CB8AC3E}">
-        <p14:creationId xmlns:p14="http://schemas.microsoft.com/office/powerpoint/2010/main" val="2197040959"/>
-      </p:ext>
-    </p:extLst>
-  </p:cSld>
-  <p:clrMapOvr>
-    <a:masterClrMapping/>
-  </p:clrMapOvr>
-</p:sld>
-</file>
-
-<file path=ppt/slides/slide4.xml><?xml version="1.0" encoding="utf-8"?>
 <p:sld xmlns:a="http://schemas.openxmlformats.org/drawingml/2006/main" xmlns:r="http://schemas.openxmlformats.org/officeDocument/2006/relationships" xmlns:p="http://schemas.openxmlformats.org/presentationml/2006/main">
   <p:cSld>
     <p:spTree>
@@ -4724,6 +4885,243 @@
   <p:clrMapOvr>
     <a:masterClrMapping/>
   </p:clrMapOvr>
+  <p:timing>
+    <p:tnLst>
+      <p:par>
+        <p:cTn id="1" dur="indefinite" restart="never" nodeType="tmRoot"/>
+      </p:par>
+    </p:tnLst>
+  </p:timing>
+</p:sld>
+</file>
+
+<file path=ppt/slides/slide4.xml><?xml version="1.0" encoding="utf-8"?>
+<p:sld xmlns:a="http://schemas.openxmlformats.org/drawingml/2006/main" xmlns:r="http://schemas.openxmlformats.org/officeDocument/2006/relationships" xmlns:p="http://schemas.openxmlformats.org/presentationml/2006/main">
+  <p:cSld>
+    <p:spTree>
+      <p:nvGrpSpPr>
+        <p:cNvPr id="1" name=""/>
+        <p:cNvGrpSpPr/>
+        <p:nvPr/>
+      </p:nvGrpSpPr>
+      <p:grpSpPr>
+        <a:xfrm>
+          <a:off x="0" y="0"/>
+          <a:ext cx="0" cy="0"/>
+          <a:chOff x="0" y="0"/>
+          <a:chExt cx="0" cy="0"/>
+        </a:xfrm>
+      </p:grpSpPr>
+      <p:sp>
+        <p:nvSpPr>
+          <p:cNvPr id="2" name="标题 1"/>
+          <p:cNvSpPr>
+            <a:spLocks noGrp="1"/>
+          </p:cNvSpPr>
+          <p:nvPr>
+            <p:ph type="title"/>
+          </p:nvPr>
+        </p:nvSpPr>
+        <p:spPr/>
+        <p:txBody>
+          <a:bodyPr/>
+          <a:lstStyle/>
+          <a:p>
+            <a:r>
+              <a:rPr lang="zh-CN" altLang="en-US" dirty="0" smtClean="0"/>
+              <a:t>简历数据集</a:t>
+            </a:r>
+            <a:endParaRPr lang="zh-CN" altLang="en-US" dirty="0"/>
+          </a:p>
+        </p:txBody>
+      </p:sp>
+      <p:sp>
+        <p:nvSpPr>
+          <p:cNvPr id="3" name="内容占位符 2"/>
+          <p:cNvSpPr>
+            <a:spLocks noGrp="1"/>
+          </p:cNvSpPr>
+          <p:nvPr>
+            <p:ph idx="1"/>
+          </p:nvPr>
+        </p:nvSpPr>
+        <p:spPr>
+          <a:xfrm>
+            <a:off x="730045" y="2395896"/>
+            <a:ext cx="10515600" cy="2638220"/>
+          </a:xfrm>
+        </p:spPr>
+        <p:txBody>
+          <a:bodyPr/>
+          <a:lstStyle/>
+          <a:p>
+            <a:pPr>
+              <a:buFont typeface="Wingdings" panose="05000000000000000000" pitchFamily="2" charset="2"/>
+              <a:buChar char="ü"/>
+            </a:pPr>
+            <a:r>
+              <a:rPr lang="zh-CN" altLang="en-US" sz="2400" dirty="0" smtClean="0"/>
+              <a:t>采用</a:t>
+            </a:r>
+            <a:r>
+              <a:rPr lang="en-US" altLang="zh-CN" sz="2400" dirty="0" smtClean="0"/>
+              <a:t>BIOES</a:t>
+            </a:r>
+            <a:r>
+              <a:rPr lang="zh-CN" altLang="en-US" sz="2400" dirty="0" smtClean="0"/>
+              <a:t>标注方法标注</a:t>
+            </a:r>
+            <a:endParaRPr lang="en-US" altLang="zh-CN" sz="2400" dirty="0" smtClean="0"/>
+          </a:p>
+          <a:p>
+            <a:pPr>
+              <a:buFont typeface="Wingdings" panose="05000000000000000000" pitchFamily="2" charset="2"/>
+              <a:buChar char="ü"/>
+            </a:pPr>
+            <a:r>
+              <a:rPr lang="zh-CN" altLang="en-US" sz="2400" dirty="0" smtClean="0"/>
+              <a:t>分为训练集和测试集</a:t>
+            </a:r>
+            <a:endParaRPr lang="en-US" altLang="zh-CN" sz="2400" dirty="0" smtClean="0"/>
+          </a:p>
+          <a:p>
+            <a:pPr>
+              <a:buFont typeface="Wingdings" panose="05000000000000000000" pitchFamily="2" charset="2"/>
+              <a:buChar char="ü"/>
+            </a:pPr>
+            <a:r>
+              <a:rPr lang="zh-CN" altLang="en-US" sz="2400" dirty="0" smtClean="0"/>
+              <a:t>训练集包含大约</a:t>
+            </a:r>
+            <a:r>
+              <a:rPr lang="en-US" altLang="zh-CN" sz="2400" dirty="0" smtClean="0"/>
+              <a:t>10</a:t>
+            </a:r>
+            <a:r>
+              <a:rPr lang="zh-CN" altLang="en-US" sz="2400" dirty="0" smtClean="0"/>
+              <a:t>万个中文字符</a:t>
+            </a:r>
+            <a:endParaRPr lang="en-US" altLang="zh-CN" sz="2400" dirty="0" smtClean="0"/>
+          </a:p>
+          <a:p>
+            <a:pPr>
+              <a:buFont typeface="Wingdings" panose="05000000000000000000" pitchFamily="2" charset="2"/>
+              <a:buChar char="ü"/>
+            </a:pPr>
+            <a:r>
+              <a:rPr lang="zh-CN" altLang="en-US" sz="2400" dirty="0" smtClean="0"/>
+              <a:t>测试集包含大学</a:t>
+            </a:r>
+            <a:r>
+              <a:rPr lang="en-US" altLang="zh-CN" sz="2400" dirty="0" smtClean="0"/>
+              <a:t>1.5</a:t>
+            </a:r>
+            <a:r>
+              <a:rPr lang="zh-CN" altLang="en-US" sz="2400" dirty="0" smtClean="0"/>
+              <a:t>万个中文字符</a:t>
+            </a:r>
+            <a:endParaRPr lang="en-US" altLang="zh-CN" sz="2400" dirty="0" smtClean="0"/>
+          </a:p>
+          <a:p>
+            <a:pPr marL="0" indent="0">
+              <a:buNone/>
+            </a:pPr>
+            <a:endParaRPr lang="en-US" altLang="zh-CN" dirty="0" smtClean="0"/>
+          </a:p>
+          <a:p>
+            <a:pPr marL="0" indent="0">
+              <a:buNone/>
+            </a:pPr>
+            <a:endParaRPr lang="en-US" altLang="zh-CN" dirty="0" smtClean="0"/>
+          </a:p>
+          <a:p>
+            <a:endParaRPr lang="en-US" altLang="zh-CN" dirty="0" smtClean="0"/>
+          </a:p>
+          <a:p>
+            <a:pPr marL="0" indent="0">
+              <a:buNone/>
+            </a:pPr>
+            <a:endParaRPr lang="zh-CN" altLang="en-US" dirty="0"/>
+          </a:p>
+        </p:txBody>
+      </p:sp>
+      <p:pic>
+        <p:nvPicPr>
+          <p:cNvPr id="5" name="图片 4"/>
+          <p:cNvPicPr>
+            <a:picLocks noChangeAspect="1"/>
+          </p:cNvPicPr>
+          <p:nvPr/>
+        </p:nvPicPr>
+        <p:blipFill>
+          <a:blip r:embed="rId3">
+            <a:extLst>
+              <a:ext uri="{28A0092B-C50C-407E-A947-70E740481C1C}">
+                <a14:useLocalDpi xmlns:a14="http://schemas.microsoft.com/office/drawing/2010/main" val="0"/>
+              </a:ext>
+            </a:extLst>
+          </a:blip>
+          <a:stretch>
+            <a:fillRect/>
+          </a:stretch>
+        </p:blipFill>
+        <p:spPr>
+          <a:xfrm>
+            <a:off x="6615597" y="294005"/>
+            <a:ext cx="1336041" cy="6390293"/>
+          </a:xfrm>
+          <a:prstGeom prst="rect">
+            <a:avLst/>
+          </a:prstGeom>
+        </p:spPr>
+      </p:pic>
+      <p:pic>
+        <p:nvPicPr>
+          <p:cNvPr id="6" name="图片 5"/>
+          <p:cNvPicPr>
+            <a:picLocks noChangeAspect="1"/>
+          </p:cNvPicPr>
+          <p:nvPr/>
+        </p:nvPicPr>
+        <p:blipFill>
+          <a:blip r:embed="rId4">
+            <a:extLst>
+              <a:ext uri="{28A0092B-C50C-407E-A947-70E740481C1C}">
+                <a14:useLocalDpi xmlns:a14="http://schemas.microsoft.com/office/drawing/2010/main" val="0"/>
+              </a:ext>
+            </a:extLst>
+          </a:blip>
+          <a:stretch>
+            <a:fillRect/>
+          </a:stretch>
+        </p:blipFill>
+        <p:spPr>
+          <a:xfrm>
+            <a:off x="8674063" y="1062784"/>
+            <a:ext cx="1181137" cy="4732430"/>
+          </a:xfrm>
+          <a:prstGeom prst="rect">
+            <a:avLst/>
+          </a:prstGeom>
+        </p:spPr>
+      </p:pic>
+    </p:spTree>
+    <p:extLst>
+      <p:ext uri="{BB962C8B-B14F-4D97-AF65-F5344CB8AC3E}">
+        <p14:creationId xmlns:p14="http://schemas.microsoft.com/office/powerpoint/2010/main" val="2197040959"/>
+      </p:ext>
+    </p:extLst>
+  </p:cSld>
+  <p:clrMapOvr>
+    <a:masterClrMapping/>
+  </p:clrMapOvr>
+  <p:timing>
+    <p:tnLst>
+      <p:par>
+        <p:cTn id="1" dur="indefinite" restart="never" nodeType="tmRoot"/>
+      </p:par>
+    </p:tnLst>
+  </p:timing>
 </p:sld>
 </file>
 
@@ -4830,73 +5228,6 @@
           </a:p>
         </p:txBody>
       </p:sp>
-      <p:graphicFrame>
-        <p:nvGraphicFramePr>
-          <p:cNvPr id="5" name="对象 4"/>
-          <p:cNvGraphicFramePr>
-            <a:graphicFrameLocks noChangeAspect="1"/>
-          </p:cNvGraphicFramePr>
-          <p:nvPr>
-            <p:extLst>
-              <p:ext uri="{D42A27DB-BD31-4B8C-83A1-F6EECF244321}">
-                <p14:modId xmlns:p14="http://schemas.microsoft.com/office/powerpoint/2010/main" val="265078102"/>
-              </p:ext>
-            </p:extLst>
-          </p:nvPr>
-        </p:nvGraphicFramePr>
-        <p:xfrm>
-          <a:off x="3901100" y="1915707"/>
-          <a:ext cx="2568526" cy="514599"/>
-        </p:xfrm>
-        <a:graphic>
-          <a:graphicData uri="http://schemas.openxmlformats.org/presentationml/2006/ole">
-            <mc:AlternateContent xmlns:mc="http://schemas.openxmlformats.org/markup-compatibility/2006">
-              <mc:Choice xmlns:v="urn:schemas-microsoft-com:vml" Requires="v">
-                <p:oleObj spid="_x0000_s1037" name="Equation" r:id="rId4" imgW="1320227" imgH="393529" progId="Equation.DSMT4">
-                  <p:embed/>
-                </p:oleObj>
-              </mc:Choice>
-              <mc:Fallback>
-                <p:oleObj name="Equation" r:id="rId4" imgW="1320227" imgH="393529" progId="Equation.DSMT4">
-                  <p:embed/>
-                  <p:pic>
-                    <p:nvPicPr>
-                      <p:cNvPr id="0" name="Object 1"/>
-                      <p:cNvPicPr>
-                        <a:picLocks noChangeAspect="1" noChangeArrowheads="1"/>
-                      </p:cNvPicPr>
-                      <p:nvPr/>
-                    </p:nvPicPr>
-                    <p:blipFill>
-                      <a:blip r:embed="rId5">
-                        <a:extLst>
-                          <a:ext uri="{28A0092B-C50C-407E-A947-70E740481C1C}">
-                            <a14:useLocalDpi xmlns:a14="http://schemas.microsoft.com/office/drawing/2010/main" val="0"/>
-                          </a:ext>
-                        </a:extLst>
-                      </a:blip>
-                      <a:srcRect/>
-                      <a:stretch>
-                        <a:fillRect/>
-                      </a:stretch>
-                    </p:blipFill>
-                    <p:spPr bwMode="auto">
-                      <a:xfrm>
-                        <a:off x="3901100" y="1915707"/>
-                        <a:ext cx="2568526" cy="514599"/>
-                      </a:xfrm>
-                      <a:prstGeom prst="rect">
-                        <a:avLst/>
-                      </a:prstGeom>
-                      <a:noFill/>
-                    </p:spPr>
-                  </p:pic>
-                </p:oleObj>
-              </mc:Fallback>
-            </mc:AlternateContent>
-          </a:graphicData>
-        </a:graphic>
-      </p:graphicFrame>
       <p:sp>
         <p:nvSpPr>
           <p:cNvPr id="6" name="Rectangle 4"/>
@@ -4969,25 +5300,25 @@
           <p:nvPr>
             <p:extLst>
               <p:ext uri="{D42A27DB-BD31-4B8C-83A1-F6EECF244321}">
-                <p14:modId xmlns:p14="http://schemas.microsoft.com/office/powerpoint/2010/main" val="3965283139"/>
+                <p14:modId xmlns:p14="http://schemas.microsoft.com/office/powerpoint/2010/main" val="3340314940"/>
               </p:ext>
             </p:extLst>
           </p:nvPr>
         </p:nvGraphicFramePr>
         <p:xfrm>
-          <a:off x="3932902" y="3099180"/>
-          <a:ext cx="2644879" cy="564180"/>
+          <a:off x="3346882" y="3038157"/>
+          <a:ext cx="3856038" cy="942975"/>
         </p:xfrm>
         <a:graphic>
           <a:graphicData uri="http://schemas.openxmlformats.org/presentationml/2006/ole">
             <mc:AlternateContent xmlns:mc="http://schemas.openxmlformats.org/markup-compatibility/2006">
               <mc:Choice xmlns:v="urn:schemas-microsoft-com:vml" Requires="v">
-                <p:oleObj spid="_x0000_s1038" name="Equation" r:id="rId6" imgW="1155700" imgH="393700" progId="Equation.DSMT4">
+                <p:oleObj spid="_x0000_s1064" name="Equation" r:id="rId4" imgW="1168200" imgH="393480" progId="Equation.DSMT4">
                   <p:embed/>
                 </p:oleObj>
               </mc:Choice>
               <mc:Fallback>
-                <p:oleObj name="Equation" r:id="rId6" imgW="1155700" imgH="393700" progId="Equation.DSMT4">
+                <p:oleObj name="Equation" r:id="rId4" imgW="1168200" imgH="393480" progId="Equation.DSMT4">
                   <p:embed/>
                   <p:pic>
                     <p:nvPicPr>
@@ -4998,13 +5329,7 @@
                       <p:nvPr/>
                     </p:nvPicPr>
                     <p:blipFill>
-                      <a:blip r:embed="rId7">
-                        <a:extLst>
-                          <a:ext uri="{28A0092B-C50C-407E-A947-70E740481C1C}">
-                            <a14:useLocalDpi xmlns:a14="http://schemas.microsoft.com/office/drawing/2010/main" val="0"/>
-                          </a:ext>
-                        </a:extLst>
-                      </a:blip>
+                      <a:blip r:embed="rId5"/>
                       <a:srcRect/>
                       <a:stretch>
                         <a:fillRect/>
@@ -5012,8 +5337,8 @@
                     </p:blipFill>
                     <p:spPr bwMode="auto">
                       <a:xfrm>
-                        <a:off x="3932902" y="3099180"/>
-                        <a:ext cx="2644879" cy="564180"/>
+                        <a:off x="3346882" y="3038157"/>
+                        <a:ext cx="3856038" cy="942975"/>
                       </a:xfrm>
                       <a:prstGeom prst="rect">
                         <a:avLst/>
@@ -5099,25 +5424,25 @@
           <p:nvPr>
             <p:extLst>
               <p:ext uri="{D42A27DB-BD31-4B8C-83A1-F6EECF244321}">
-                <p14:modId xmlns:p14="http://schemas.microsoft.com/office/powerpoint/2010/main" val="1557775915"/>
+                <p14:modId xmlns:p14="http://schemas.microsoft.com/office/powerpoint/2010/main" val="2051098008"/>
               </p:ext>
             </p:extLst>
           </p:nvPr>
         </p:nvGraphicFramePr>
         <p:xfrm>
-          <a:off x="3901100" y="4332234"/>
-          <a:ext cx="2861188" cy="524901"/>
+          <a:off x="3346882" y="4308266"/>
+          <a:ext cx="5104389" cy="946294"/>
         </p:xfrm>
         <a:graphic>
           <a:graphicData uri="http://schemas.openxmlformats.org/presentationml/2006/ole">
             <mc:AlternateContent xmlns:mc="http://schemas.openxmlformats.org/markup-compatibility/2006">
               <mc:Choice xmlns:v="urn:schemas-microsoft-com:vml" Requires="v">
-                <p:oleObj spid="_x0000_s1039" name="Equation" r:id="rId8" imgW="2005729" imgH="393529" progId="Equation.DSMT4">
+                <p:oleObj spid="_x0000_s1065" name="Equation" r:id="rId6" imgW="2120760" imgH="393480" progId="Equation.DSMT4">
                   <p:embed/>
                 </p:oleObj>
               </mc:Choice>
               <mc:Fallback>
-                <p:oleObj name="Equation" r:id="rId8" imgW="2005729" imgH="393529" progId="Equation.DSMT4">
+                <p:oleObj name="Equation" r:id="rId6" imgW="2120760" imgH="393480" progId="Equation.DSMT4">
                   <p:embed/>
                   <p:pic>
                     <p:nvPicPr>
@@ -5128,13 +5453,7 @@
                       <p:nvPr/>
                     </p:nvPicPr>
                     <p:blipFill>
-                      <a:blip r:embed="rId9">
-                        <a:extLst>
-                          <a:ext uri="{28A0092B-C50C-407E-A947-70E740481C1C}">
-                            <a14:useLocalDpi xmlns:a14="http://schemas.microsoft.com/office/drawing/2010/main" val="0"/>
-                          </a:ext>
-                        </a:extLst>
-                      </a:blip>
+                      <a:blip r:embed="rId7"/>
                       <a:srcRect/>
                       <a:stretch>
                         <a:fillRect/>
@@ -5142,8 +5461,8 @@
                     </p:blipFill>
                     <p:spPr bwMode="auto">
                       <a:xfrm>
-                        <a:off x="3901100" y="4332234"/>
-                        <a:ext cx="2861188" cy="524901"/>
+                        <a:off x="3346882" y="4308266"/>
+                        <a:ext cx="5104389" cy="946294"/>
                       </a:xfrm>
                       <a:prstGeom prst="rect">
                         <a:avLst/>
@@ -5165,8 +5484,8 @@
         </p:nvSpPr>
         <p:spPr>
           <a:xfrm>
-            <a:off x="1292941" y="1936161"/>
-            <a:ext cx="1740310" cy="461665"/>
+            <a:off x="1292941" y="1929085"/>
+            <a:ext cx="1740310" cy="584775"/>
           </a:xfrm>
           <a:prstGeom prst="rect">
             <a:avLst/>
@@ -5180,10 +5499,10 @@
           <a:lstStyle/>
           <a:p>
             <a:r>
-              <a:rPr lang="zh-CN" altLang="en-US" sz="2400" b="1" dirty="0" smtClean="0"/>
+              <a:rPr lang="zh-CN" altLang="en-US" sz="3200" b="1" dirty="0" smtClean="0"/>
               <a:t>准确率</a:t>
             </a:r>
-            <a:endParaRPr lang="zh-CN" altLang="en-US" sz="2400" b="1" dirty="0"/>
+            <a:endParaRPr lang="zh-CN" altLang="en-US" sz="3200" b="1" dirty="0"/>
           </a:p>
         </p:txBody>
       </p:sp>
@@ -5195,8 +5514,8 @@
         </p:nvSpPr>
         <p:spPr>
           <a:xfrm>
-            <a:off x="1199535" y="3175703"/>
-            <a:ext cx="1740310" cy="461665"/>
+            <a:off x="1224935" y="3234372"/>
+            <a:ext cx="1740310" cy="584775"/>
           </a:xfrm>
           <a:prstGeom prst="rect">
             <a:avLst/>
@@ -5210,7 +5529,7 @@
           <a:lstStyle/>
           <a:p>
             <a:r>
-              <a:rPr lang="zh-CN" altLang="en-US" sz="2400" b="1" dirty="0"/>
+              <a:rPr lang="zh-CN" altLang="en-US" sz="3200" b="1" dirty="0"/>
               <a:t>召回率</a:t>
             </a:r>
           </a:p>
@@ -5224,8 +5543,8 @@
         </p:nvSpPr>
         <p:spPr>
           <a:xfrm>
-            <a:off x="1292941" y="4395470"/>
-            <a:ext cx="1740310" cy="461665"/>
+            <a:off x="1292941" y="4489025"/>
+            <a:ext cx="1740310" cy="584775"/>
           </a:xfrm>
           <a:prstGeom prst="rect">
             <a:avLst/>
@@ -5239,17 +5558,74 @@
           <a:lstStyle/>
           <a:p>
             <a:r>
-              <a:rPr lang="en-US" altLang="zh-CN" sz="2400" b="1" dirty="0" smtClean="0"/>
+              <a:rPr lang="en-US" altLang="zh-CN" sz="3200" b="1" dirty="0" smtClean="0"/>
               <a:t>F1</a:t>
             </a:r>
             <a:r>
-              <a:rPr lang="zh-CN" altLang="en-US" sz="2400" b="1" dirty="0" smtClean="0"/>
+              <a:rPr lang="zh-CN" altLang="en-US" sz="3200" b="1" dirty="0" smtClean="0"/>
               <a:t>值</a:t>
             </a:r>
-            <a:endParaRPr lang="zh-CN" altLang="en-US" sz="2400" b="1" dirty="0"/>
-          </a:p>
-        </p:txBody>
-      </p:sp>
+            <a:endParaRPr lang="zh-CN" altLang="en-US" sz="3200" b="1" dirty="0"/>
+          </a:p>
+        </p:txBody>
+      </p:sp>
+      <p:graphicFrame>
+        <p:nvGraphicFramePr>
+          <p:cNvPr id="3" name="对象 2"/>
+          <p:cNvGraphicFramePr>
+            <a:graphicFrameLocks noChangeAspect="1"/>
+          </p:cNvGraphicFramePr>
+          <p:nvPr>
+            <p:extLst>
+              <p:ext uri="{D42A27DB-BD31-4B8C-83A1-F6EECF244321}">
+                <p14:modId xmlns:p14="http://schemas.microsoft.com/office/powerpoint/2010/main" val="1839813507"/>
+              </p:ext>
+            </p:extLst>
+          </p:nvPr>
+        </p:nvGraphicFramePr>
+        <p:xfrm>
+          <a:off x="3346882" y="1633165"/>
+          <a:ext cx="3691119" cy="1077858"/>
+        </p:xfrm>
+        <a:graphic>
+          <a:graphicData uri="http://schemas.openxmlformats.org/presentationml/2006/ole">
+            <mc:AlternateContent xmlns:mc="http://schemas.openxmlformats.org/markup-compatibility/2006">
+              <mc:Choice xmlns:v="urn:schemas-microsoft-com:vml" Requires="v">
+                <p:oleObj spid="_x0000_s1066" name="Equation" r:id="rId8" imgW="1333440" imgH="393480" progId="Equation.DSMT4">
+                  <p:embed/>
+                </p:oleObj>
+              </mc:Choice>
+              <mc:Fallback>
+                <p:oleObj name="Equation" r:id="rId8" imgW="1333440" imgH="393480" progId="Equation.DSMT4">
+                  <p:embed/>
+                  <p:pic>
+                    <p:nvPicPr>
+                      <p:cNvPr id="0" name=""/>
+                      <p:cNvPicPr/>
+                      <p:nvPr/>
+                    </p:nvPicPr>
+                    <p:blipFill>
+                      <a:blip r:embed="rId9"/>
+                      <a:stretch>
+                        <a:fillRect/>
+                      </a:stretch>
+                    </p:blipFill>
+                    <p:spPr>
+                      <a:xfrm>
+                        <a:off x="3346882" y="1633165"/>
+                        <a:ext cx="3691119" cy="1077858"/>
+                      </a:xfrm>
+                      <a:prstGeom prst="rect">
+                        <a:avLst/>
+                      </a:prstGeom>
+                    </p:spPr>
+                  </p:pic>
+                </p:oleObj>
+              </mc:Fallback>
+            </mc:AlternateContent>
+          </a:graphicData>
+        </a:graphic>
+      </p:graphicFrame>
     </p:spTree>
     <p:extLst>
       <p:ext uri="{BB962C8B-B14F-4D97-AF65-F5344CB8AC3E}">
@@ -5260,6 +5636,13 @@
   <p:clrMapOvr>
     <a:masterClrMapping/>
   </p:clrMapOvr>
+  <p:timing>
+    <p:tnLst>
+      <p:par>
+        <p:cTn id="1" dur="indefinite" restart="never" nodeType="tmRoot"/>
+      </p:par>
+    </p:tnLst>
+  </p:timing>
 </p:sld>
 </file>
 
@@ -5308,15 +5691,125 @@
           </a:p>
         </p:txBody>
       </p:sp>
+      <p:sp>
+        <p:nvSpPr>
+          <p:cNvPr id="5" name="文本框 4"/>
+          <p:cNvSpPr txBox="1"/>
+          <p:nvPr/>
+        </p:nvSpPr>
+        <p:spPr>
+          <a:xfrm>
+            <a:off x="926690" y="3385342"/>
+            <a:ext cx="6191865" cy="1477328"/>
+          </a:xfrm>
+          <a:prstGeom prst="rect">
+            <a:avLst/>
+          </a:prstGeom>
+          <a:noFill/>
+        </p:spPr>
+        <p:txBody>
+          <a:bodyPr wrap="square" rtlCol="0">
+            <a:spAutoFit/>
+          </a:bodyPr>
+          <a:lstStyle/>
+          <a:p>
+            <a:pPr marL="285750" indent="-285750">
+              <a:buFont typeface="Wingdings" panose="05000000000000000000" pitchFamily="2" charset="2"/>
+              <a:buChar char="Ø"/>
+            </a:pPr>
+            <a:r>
+              <a:rPr lang="zh-CN" altLang="en-US" dirty="0" smtClean="0">
+                <a:solidFill>
+                  <a:srgbClr val="FF0000"/>
+                </a:solidFill>
+              </a:rPr>
+              <a:t>准确率</a:t>
+            </a:r>
+            <a:r>
+              <a:rPr lang="zh-CN" altLang="en-US" dirty="0" smtClean="0"/>
+              <a:t>：</a:t>
+            </a:r>
+            <a:r>
+              <a:rPr lang="en-US" altLang="zh-CN" dirty="0" smtClean="0"/>
+              <a:t>0.822287</a:t>
+            </a:r>
+            <a:endParaRPr lang="en-US" altLang="zh-CN" dirty="0" smtClean="0"/>
+          </a:p>
+          <a:p>
+            <a:pPr marL="285750" indent="-285750">
+              <a:buFont typeface="Wingdings" panose="05000000000000000000" pitchFamily="2" charset="2"/>
+              <a:buChar char="Ø"/>
+            </a:pPr>
+            <a:endParaRPr lang="en-US" altLang="zh-CN" dirty="0" smtClean="0"/>
+          </a:p>
+          <a:p>
+            <a:pPr marL="285750" indent="-285750">
+              <a:buFont typeface="Wingdings" panose="05000000000000000000" pitchFamily="2" charset="2"/>
+              <a:buChar char="Ø"/>
+            </a:pPr>
+            <a:r>
+              <a:rPr lang="zh-CN" altLang="en-US" dirty="0" smtClean="0">
+                <a:solidFill>
+                  <a:srgbClr val="00B050"/>
+                </a:solidFill>
+              </a:rPr>
+              <a:t>召回率</a:t>
+            </a:r>
+            <a:r>
+              <a:rPr lang="zh-CN" altLang="en-US" dirty="0" smtClean="0"/>
+              <a:t>：</a:t>
+            </a:r>
+            <a:r>
+              <a:rPr lang="en-US" altLang="zh-CN" dirty="0" smtClean="0"/>
+              <a:t>0.860123</a:t>
+            </a:r>
+            <a:endParaRPr lang="en-US" altLang="zh-CN" dirty="0" smtClean="0"/>
+          </a:p>
+          <a:p>
+            <a:pPr marL="285750" indent="-285750">
+              <a:buFont typeface="Wingdings" panose="05000000000000000000" pitchFamily="2" charset="2"/>
+              <a:buChar char="Ø"/>
+            </a:pPr>
+            <a:endParaRPr lang="en-US" altLang="zh-CN" dirty="0" smtClean="0"/>
+          </a:p>
+          <a:p>
+            <a:pPr marL="285750" indent="-285750">
+              <a:buFont typeface="Wingdings" panose="05000000000000000000" pitchFamily="2" charset="2"/>
+              <a:buChar char="Ø"/>
+            </a:pPr>
+            <a:r>
+              <a:rPr lang="en-US" altLang="zh-CN" dirty="0" smtClean="0">
+                <a:solidFill>
+                  <a:srgbClr val="0070C0"/>
+                </a:solidFill>
+              </a:rPr>
+              <a:t>F1</a:t>
+            </a:r>
+            <a:r>
+              <a:rPr lang="zh-CN" altLang="en-US" dirty="0" smtClean="0">
+                <a:solidFill>
+                  <a:srgbClr val="0070C0"/>
+                </a:solidFill>
+              </a:rPr>
+              <a:t>值</a:t>
+            </a:r>
+            <a:r>
+              <a:rPr lang="zh-CN" altLang="en-US" dirty="0" smtClean="0"/>
+              <a:t>：</a:t>
+            </a:r>
+            <a:r>
+              <a:rPr lang="en-US" altLang="zh-CN" dirty="0" smtClean="0"/>
+              <a:t>0.840780</a:t>
+            </a:r>
+            <a:endParaRPr lang="zh-CN" altLang="en-US" dirty="0"/>
+          </a:p>
+        </p:txBody>
+      </p:sp>
       <p:pic>
         <p:nvPicPr>
-          <p:cNvPr id="4" name="内容占位符 3" descr="C:\Users\Administrator\Desktop\捕获.PNG"/>
-          <p:cNvPicPr>
-            <a:picLocks noGrp="1"/>
-          </p:cNvPicPr>
-          <p:nvPr>
-            <p:ph idx="1"/>
-          </p:nvPr>
+          <p:cNvPr id="7" name="图片 6" descr="C:\Users\Administrator\Desktop\捕获5.PNG"/>
+          <p:cNvPicPr/>
+          <p:nvPr/>
         </p:nvPicPr>
         <p:blipFill>
           <a:blip r:embed="rId3">
@@ -5333,8 +5826,8 @@
         </p:blipFill>
         <p:spPr bwMode="auto">
           <a:xfrm>
-            <a:off x="8094622" y="2346811"/>
-            <a:ext cx="3534268" cy="752580"/>
+            <a:off x="5592398" y="2409492"/>
+            <a:ext cx="4892722" cy="2453178"/>
           </a:xfrm>
           <a:prstGeom prst="rect">
             <a:avLst/>
@@ -5345,191 +5838,6 @@
           </a:ln>
         </p:spPr>
       </p:pic>
-      <p:sp>
-        <p:nvSpPr>
-          <p:cNvPr id="5" name="文本框 4"/>
-          <p:cNvSpPr txBox="1"/>
-          <p:nvPr/>
-        </p:nvSpPr>
-        <p:spPr>
-          <a:xfrm>
-            <a:off x="926690" y="2897417"/>
-            <a:ext cx="6191865" cy="1477328"/>
-          </a:xfrm>
-          <a:prstGeom prst="rect">
-            <a:avLst/>
-          </a:prstGeom>
-          <a:noFill/>
-        </p:spPr>
-        <p:txBody>
-          <a:bodyPr wrap="square" rtlCol="0">
-            <a:spAutoFit/>
-          </a:bodyPr>
-          <a:lstStyle/>
-          <a:p>
-            <a:pPr marL="285750" indent="-285750">
-              <a:buFont typeface="Wingdings" panose="05000000000000000000" pitchFamily="2" charset="2"/>
-              <a:buChar char="Ø"/>
-            </a:pPr>
-            <a:r>
-              <a:rPr lang="zh-CN" altLang="en-US" dirty="0" smtClean="0">
-                <a:solidFill>
-                  <a:srgbClr val="FF0000"/>
-                </a:solidFill>
-              </a:rPr>
-              <a:t>准确率</a:t>
-            </a:r>
-            <a:r>
-              <a:rPr lang="zh-CN" altLang="en-US" dirty="0" smtClean="0"/>
-              <a:t>：</a:t>
-            </a:r>
-            <a:r>
-              <a:rPr lang="en-US" altLang="zh-CN" dirty="0" smtClean="0"/>
-              <a:t>0.834237</a:t>
-            </a:r>
-          </a:p>
-          <a:p>
-            <a:pPr marL="285750" indent="-285750">
-              <a:buFont typeface="Wingdings" panose="05000000000000000000" pitchFamily="2" charset="2"/>
-              <a:buChar char="Ø"/>
-            </a:pPr>
-            <a:endParaRPr lang="en-US" altLang="zh-CN" dirty="0" smtClean="0"/>
-          </a:p>
-          <a:p>
-            <a:pPr marL="285750" indent="-285750">
-              <a:buFont typeface="Wingdings" panose="05000000000000000000" pitchFamily="2" charset="2"/>
-              <a:buChar char="Ø"/>
-            </a:pPr>
-            <a:r>
-              <a:rPr lang="zh-CN" altLang="en-US" dirty="0" smtClean="0">
-                <a:solidFill>
-                  <a:srgbClr val="00B050"/>
-                </a:solidFill>
-              </a:rPr>
-              <a:t>召回率</a:t>
-            </a:r>
-            <a:r>
-              <a:rPr lang="zh-CN" altLang="en-US" dirty="0" smtClean="0"/>
-              <a:t>：</a:t>
-            </a:r>
-            <a:r>
-              <a:rPr lang="en-US" altLang="zh-CN" dirty="0" smtClean="0"/>
-              <a:t>0.849601</a:t>
-            </a:r>
-          </a:p>
-          <a:p>
-            <a:pPr marL="285750" indent="-285750">
-              <a:buFont typeface="Wingdings" panose="05000000000000000000" pitchFamily="2" charset="2"/>
-              <a:buChar char="Ø"/>
-            </a:pPr>
-            <a:endParaRPr lang="en-US" altLang="zh-CN" dirty="0" smtClean="0"/>
-          </a:p>
-          <a:p>
-            <a:pPr marL="285750" indent="-285750">
-              <a:buFont typeface="Wingdings" panose="05000000000000000000" pitchFamily="2" charset="2"/>
-              <a:buChar char="Ø"/>
-            </a:pPr>
-            <a:r>
-              <a:rPr lang="en-US" altLang="zh-CN" dirty="0" smtClean="0">
-                <a:solidFill>
-                  <a:srgbClr val="0070C0"/>
-                </a:solidFill>
-              </a:rPr>
-              <a:t>F1</a:t>
-            </a:r>
-            <a:r>
-              <a:rPr lang="zh-CN" altLang="en-US" dirty="0" smtClean="0">
-                <a:solidFill>
-                  <a:srgbClr val="0070C0"/>
-                </a:solidFill>
-              </a:rPr>
-              <a:t>值</a:t>
-            </a:r>
-            <a:r>
-              <a:rPr lang="zh-CN" altLang="en-US" dirty="0" smtClean="0"/>
-              <a:t>：</a:t>
-            </a:r>
-            <a:r>
-              <a:rPr lang="en-US" altLang="zh-CN" dirty="0" smtClean="0"/>
-              <a:t>0.841849</a:t>
-            </a:r>
-            <a:endParaRPr lang="zh-CN" altLang="en-US" dirty="0"/>
-          </a:p>
-        </p:txBody>
-      </p:sp>
-      <p:sp>
-        <p:nvSpPr>
-          <p:cNvPr id="6" name="文本框 5"/>
-          <p:cNvSpPr txBox="1"/>
-          <p:nvPr/>
-        </p:nvSpPr>
-        <p:spPr>
-          <a:xfrm>
-            <a:off x="926690" y="1858067"/>
-            <a:ext cx="5898018" cy="646331"/>
-          </a:xfrm>
-          <a:prstGeom prst="rect">
-            <a:avLst/>
-          </a:prstGeom>
-          <a:noFill/>
-        </p:spPr>
-        <p:txBody>
-          <a:bodyPr wrap="square" rtlCol="0">
-            <a:spAutoFit/>
-          </a:bodyPr>
-          <a:lstStyle/>
-          <a:p>
-            <a:r>
-              <a:rPr lang="zh-CN" altLang="en-US" dirty="0" smtClean="0"/>
-              <a:t>测试集中共有</a:t>
-            </a:r>
-            <a:r>
-              <a:rPr lang="en-US" altLang="zh-CN" dirty="0" smtClean="0"/>
-              <a:t>1629</a:t>
-            </a:r>
-            <a:r>
-              <a:rPr lang="zh-CN" altLang="en-US" dirty="0" smtClean="0"/>
-              <a:t>个命名实体</a:t>
-            </a:r>
-            <a:endParaRPr lang="en-US" altLang="zh-CN" dirty="0" smtClean="0"/>
-          </a:p>
-          <a:p>
-            <a:r>
-              <a:rPr lang="en-US" altLang="zh-CN" dirty="0" smtClean="0"/>
-              <a:t>HMM</a:t>
-            </a:r>
-            <a:r>
-              <a:rPr lang="zh-CN" altLang="en-US" dirty="0" smtClean="0"/>
-              <a:t>模型</a:t>
-            </a:r>
-            <a:r>
-              <a:rPr lang="zh-CN" altLang="en-US" dirty="0"/>
-              <a:t>预测</a:t>
-            </a:r>
-            <a:r>
-              <a:rPr lang="zh-CN" altLang="en-US" dirty="0" smtClean="0"/>
-              <a:t>出</a:t>
-            </a:r>
-            <a:r>
-              <a:rPr lang="en-US" altLang="zh-CN" dirty="0" smtClean="0"/>
-              <a:t>1659</a:t>
-            </a:r>
-            <a:r>
-              <a:rPr lang="zh-CN" altLang="en-US" dirty="0" smtClean="0"/>
-              <a:t>个实体，其中正确的实体有</a:t>
-            </a:r>
-            <a:r>
-              <a:rPr lang="en-US" altLang="zh-CN" dirty="0" smtClean="0"/>
-              <a:t>1384</a:t>
-            </a:r>
-            <a:r>
-              <a:rPr lang="zh-CN" altLang="en-US" dirty="0" smtClean="0"/>
-              <a:t>个</a:t>
-            </a:r>
-            <a:endParaRPr lang="en-US" altLang="zh-CN" dirty="0" smtClean="0"/>
-          </a:p>
-        </p:txBody>
-      </p:sp>
     </p:spTree>
     <p:extLst>
       <p:ext uri="{BB962C8B-B14F-4D97-AF65-F5344CB8AC3E}">
@@ -5540,6 +5848,13 @@
   <p:clrMapOvr>
     <a:masterClrMapping/>
   </p:clrMapOvr>
+  <p:timing>
+    <p:tnLst>
+      <p:par>
+        <p:cTn id="1" dur="indefinite" restart="never" nodeType="tmRoot"/>
+      </p:par>
+    </p:tnLst>
+  </p:timing>
 </p:sld>
 </file>
 
